--- a/lesson2/check_complexity_slides.pptx
+++ b/lesson2/check_complexity_slides.pptx
@@ -260,7 +260,7 @@
           <a:p>
             <a:fld id="{873C7282-A49A-4AD0-93BC-10CA7B10E31B}" type="datetimeFigureOut">
               <a:rPr lang="uk-UA" smtClean="0"/>
-              <a:t>03.02.2026</a:t>
+              <a:t>07.02.2026</a:t>
             </a:fld>
             <a:endParaRPr lang="uk-UA"/>
           </a:p>
@@ -430,7 +430,7 @@
           <a:p>
             <a:fld id="{873C7282-A49A-4AD0-93BC-10CA7B10E31B}" type="datetimeFigureOut">
               <a:rPr lang="uk-UA" smtClean="0"/>
-              <a:t>03.02.2026</a:t>
+              <a:t>07.02.2026</a:t>
             </a:fld>
             <a:endParaRPr lang="uk-UA"/>
           </a:p>
@@ -610,7 +610,7 @@
           <a:p>
             <a:fld id="{873C7282-A49A-4AD0-93BC-10CA7B10E31B}" type="datetimeFigureOut">
               <a:rPr lang="uk-UA" smtClean="0"/>
-              <a:t>03.02.2026</a:t>
+              <a:t>07.02.2026</a:t>
             </a:fld>
             <a:endParaRPr lang="uk-UA"/>
           </a:p>
@@ -780,7 +780,7 @@
           <a:p>
             <a:fld id="{873C7282-A49A-4AD0-93BC-10CA7B10E31B}" type="datetimeFigureOut">
               <a:rPr lang="uk-UA" smtClean="0"/>
-              <a:t>03.02.2026</a:t>
+              <a:t>07.02.2026</a:t>
             </a:fld>
             <a:endParaRPr lang="uk-UA"/>
           </a:p>
@@ -1026,7 +1026,7 @@
           <a:p>
             <a:fld id="{873C7282-A49A-4AD0-93BC-10CA7B10E31B}" type="datetimeFigureOut">
               <a:rPr lang="uk-UA" smtClean="0"/>
-              <a:t>03.02.2026</a:t>
+              <a:t>07.02.2026</a:t>
             </a:fld>
             <a:endParaRPr lang="uk-UA"/>
           </a:p>
@@ -1258,7 +1258,7 @@
           <a:p>
             <a:fld id="{873C7282-A49A-4AD0-93BC-10CA7B10E31B}" type="datetimeFigureOut">
               <a:rPr lang="uk-UA" smtClean="0"/>
-              <a:t>03.02.2026</a:t>
+              <a:t>07.02.2026</a:t>
             </a:fld>
             <a:endParaRPr lang="uk-UA"/>
           </a:p>
@@ -1625,7 +1625,7 @@
           <a:p>
             <a:fld id="{873C7282-A49A-4AD0-93BC-10CA7B10E31B}" type="datetimeFigureOut">
               <a:rPr lang="uk-UA" smtClean="0"/>
-              <a:t>03.02.2026</a:t>
+              <a:t>07.02.2026</a:t>
             </a:fld>
             <a:endParaRPr lang="uk-UA"/>
           </a:p>
@@ -1743,7 +1743,7 @@
           <a:p>
             <a:fld id="{873C7282-A49A-4AD0-93BC-10CA7B10E31B}" type="datetimeFigureOut">
               <a:rPr lang="uk-UA" smtClean="0"/>
-              <a:t>03.02.2026</a:t>
+              <a:t>07.02.2026</a:t>
             </a:fld>
             <a:endParaRPr lang="uk-UA"/>
           </a:p>
@@ -1838,7 +1838,7 @@
           <a:p>
             <a:fld id="{873C7282-A49A-4AD0-93BC-10CA7B10E31B}" type="datetimeFigureOut">
               <a:rPr lang="uk-UA" smtClean="0"/>
-              <a:t>03.02.2026</a:t>
+              <a:t>07.02.2026</a:t>
             </a:fld>
             <a:endParaRPr lang="uk-UA"/>
           </a:p>
@@ -2115,7 +2115,7 @@
           <a:p>
             <a:fld id="{873C7282-A49A-4AD0-93BC-10CA7B10E31B}" type="datetimeFigureOut">
               <a:rPr lang="uk-UA" smtClean="0"/>
-              <a:t>03.02.2026</a:t>
+              <a:t>07.02.2026</a:t>
             </a:fld>
             <a:endParaRPr lang="uk-UA"/>
           </a:p>
@@ -2368,7 +2368,7 @@
           <a:p>
             <a:fld id="{873C7282-A49A-4AD0-93BC-10CA7B10E31B}" type="datetimeFigureOut">
               <a:rPr lang="uk-UA" smtClean="0"/>
-              <a:t>03.02.2026</a:t>
+              <a:t>07.02.2026</a:t>
             </a:fld>
             <a:endParaRPr lang="uk-UA"/>
           </a:p>
@@ -2581,7 +2581,7 @@
           <a:p>
             <a:fld id="{873C7282-A49A-4AD0-93BC-10CA7B10E31B}" type="datetimeFigureOut">
               <a:rPr lang="uk-UA" smtClean="0"/>
-              <a:t>03.02.2026</a:t>
+              <a:t>07.02.2026</a:t>
             </a:fld>
             <a:endParaRPr lang="uk-UA"/>
           </a:p>
@@ -3170,8 +3170,8 @@
           </a:p>
         </p:txBody>
       </p:sp>
-      <mc:AlternateContent xmlns:mc="http://schemas.openxmlformats.org/markup-compatibility/2006">
-        <mc:Choice xmlns:a14="http://schemas.microsoft.com/office/drawing/2010/main" Requires="a14">
+      <mc:AlternateContent xmlns:mc="http://schemas.openxmlformats.org/markup-compatibility/2006" xmlns:a14="http://schemas.microsoft.com/office/drawing/2010/main">
+        <mc:Choice Requires="a14">
           <p:sp>
             <p:nvSpPr>
               <p:cNvPr id="6" name="TextBox 5"/>
@@ -3233,7 +3233,7 @@
             </p:txBody>
           </p:sp>
         </mc:Choice>
-        <mc:Fallback>
+        <mc:Fallback xmlns="">
           <p:sp>
             <p:nvSpPr>
               <p:cNvPr id="6" name="TextBox 5"/>
@@ -3323,8 +3323,8 @@
           </a:p>
         </p:txBody>
       </p:sp>
-      <mc:AlternateContent xmlns:mc="http://schemas.openxmlformats.org/markup-compatibility/2006">
-        <mc:Choice xmlns:a14="http://schemas.microsoft.com/office/drawing/2010/main" Requires="a14">
+      <mc:AlternateContent xmlns:mc="http://schemas.openxmlformats.org/markup-compatibility/2006" xmlns:a14="http://schemas.microsoft.com/office/drawing/2010/main">
+        <mc:Choice Requires="a14">
           <p:sp>
             <p:nvSpPr>
               <p:cNvPr id="8" name="TextBox 7"/>
@@ -3420,7 +3420,7 @@
             </p:txBody>
           </p:sp>
         </mc:Choice>
-        <mc:Fallback>
+        <mc:Fallback xmlns="">
           <p:sp>
             <p:nvSpPr>
               <p:cNvPr id="8" name="TextBox 7"/>
@@ -3510,8 +3510,8 @@
           </a:p>
         </p:txBody>
       </p:sp>
-      <mc:AlternateContent xmlns:mc="http://schemas.openxmlformats.org/markup-compatibility/2006">
-        <mc:Choice xmlns:a14="http://schemas.microsoft.com/office/drawing/2010/main" Requires="a14">
+      <mc:AlternateContent xmlns:mc="http://schemas.openxmlformats.org/markup-compatibility/2006" xmlns:a14="http://schemas.microsoft.com/office/drawing/2010/main">
+        <mc:Choice Requires="a14">
           <p:sp>
             <p:nvSpPr>
               <p:cNvPr id="10" name="TextBox 9"/>
@@ -3573,7 +3573,7 @@
             </p:txBody>
           </p:sp>
         </mc:Choice>
-        <mc:Fallback>
+        <mc:Fallback xmlns="">
           <p:sp>
             <p:nvSpPr>
               <p:cNvPr id="10" name="TextBox 9"/>
@@ -3663,8 +3663,8 @@
           </a:p>
         </p:txBody>
       </p:sp>
-      <mc:AlternateContent xmlns:mc="http://schemas.openxmlformats.org/markup-compatibility/2006">
-        <mc:Choice xmlns:a14="http://schemas.microsoft.com/office/drawing/2010/main" Requires="a14">
+      <mc:AlternateContent xmlns:mc="http://schemas.openxmlformats.org/markup-compatibility/2006" xmlns:a14="http://schemas.microsoft.com/office/drawing/2010/main">
+        <mc:Choice Requires="a14">
           <p:sp>
             <p:nvSpPr>
               <p:cNvPr id="12" name="TextBox 11"/>
@@ -3757,7 +3757,7 @@
             </p:txBody>
           </p:sp>
         </mc:Choice>
-        <mc:Fallback>
+        <mc:Fallback xmlns="">
           <p:sp>
             <p:nvSpPr>
               <p:cNvPr id="12" name="TextBox 11"/>
@@ -3951,8 +3951,8 @@
           </a:p>
         </p:txBody>
       </p:sp>
-      <mc:AlternateContent xmlns:mc="http://schemas.openxmlformats.org/markup-compatibility/2006">
-        <mc:Choice xmlns:a14="http://schemas.microsoft.com/office/drawing/2010/main" Requires="a14">
+      <mc:AlternateContent xmlns:mc="http://schemas.openxmlformats.org/markup-compatibility/2006" xmlns:a14="http://schemas.microsoft.com/office/drawing/2010/main">
+        <mc:Choice Requires="a14">
           <p:sp>
             <p:nvSpPr>
               <p:cNvPr id="6" name="TextBox 5"/>
@@ -4014,7 +4014,7 @@
             </p:txBody>
           </p:sp>
         </mc:Choice>
-        <mc:Fallback>
+        <mc:Fallback xmlns="">
           <p:sp>
             <p:nvSpPr>
               <p:cNvPr id="6" name="TextBox 5"/>
@@ -4101,8 +4101,8 @@
           </a:p>
         </p:txBody>
       </p:sp>
-      <mc:AlternateContent xmlns:mc="http://schemas.openxmlformats.org/markup-compatibility/2006">
-        <mc:Choice xmlns:a14="http://schemas.microsoft.com/office/drawing/2010/main" Requires="a14">
+      <mc:AlternateContent xmlns:mc="http://schemas.openxmlformats.org/markup-compatibility/2006" xmlns:a14="http://schemas.microsoft.com/office/drawing/2010/main">
+        <mc:Choice Requires="a14">
           <p:sp>
             <p:nvSpPr>
               <p:cNvPr id="8" name="TextBox 7"/>
@@ -4198,7 +4198,7 @@
             </p:txBody>
           </p:sp>
         </mc:Choice>
-        <mc:Fallback>
+        <mc:Fallback xmlns="">
           <p:sp>
             <p:nvSpPr>
               <p:cNvPr id="8" name="TextBox 7"/>
@@ -4288,8 +4288,8 @@
           </a:p>
         </p:txBody>
       </p:sp>
-      <mc:AlternateContent xmlns:mc="http://schemas.openxmlformats.org/markup-compatibility/2006">
-        <mc:Choice xmlns:a14="http://schemas.microsoft.com/office/drawing/2010/main" Requires="a14">
+      <mc:AlternateContent xmlns:mc="http://schemas.openxmlformats.org/markup-compatibility/2006" xmlns:a14="http://schemas.microsoft.com/office/drawing/2010/main">
+        <mc:Choice Requires="a14">
           <p:sp>
             <p:nvSpPr>
               <p:cNvPr id="10" name="TextBox 9"/>
@@ -4351,7 +4351,7 @@
             </p:txBody>
           </p:sp>
         </mc:Choice>
-        <mc:Fallback>
+        <mc:Fallback xmlns="">
           <p:sp>
             <p:nvSpPr>
               <p:cNvPr id="10" name="TextBox 9"/>
@@ -4438,8 +4438,8 @@
           </a:p>
         </p:txBody>
       </p:sp>
-      <mc:AlternateContent xmlns:mc="http://schemas.openxmlformats.org/markup-compatibility/2006">
-        <mc:Choice xmlns:a14="http://schemas.microsoft.com/office/drawing/2010/main" Requires="a14">
+      <mc:AlternateContent xmlns:mc="http://schemas.openxmlformats.org/markup-compatibility/2006" xmlns:a14="http://schemas.microsoft.com/office/drawing/2010/main">
+        <mc:Choice Requires="a14">
           <p:sp>
             <p:nvSpPr>
               <p:cNvPr id="12" name="TextBox 11"/>
@@ -4532,7 +4532,7 @@
             </p:txBody>
           </p:sp>
         </mc:Choice>
-        <mc:Fallback>
+        <mc:Fallback xmlns="">
           <p:sp>
             <p:nvSpPr>
               <p:cNvPr id="12" name="TextBox 11"/>
@@ -4682,7 +4682,16 @@
                 </a:solidFill>
                 <a:cs typeface="Arial" panose="020B0604020202020204" pitchFamily="34" charset="0"/>
               </a:rPr>
-              <a:t>Чи однакові складності</a:t>
+              <a:t>Чи </a:t>
+            </a:r>
+            <a:r>
+              <a:rPr lang="uk-UA" sz="4800" b="1" smtClean="0">
+                <a:solidFill>
+                  <a:srgbClr val="002060"/>
+                </a:solidFill>
+                <a:cs typeface="Arial" panose="020B0604020202020204" pitchFamily="34" charset="0"/>
+              </a:rPr>
+              <a:t>є складності одного порядку</a:t>
             </a:r>
             <a:r>
               <a:rPr lang="ru-RU" sz="4800" b="1" smtClean="0">
@@ -4866,8 +4875,8 @@
           </a:p>
         </p:txBody>
       </p:sp>
-      <mc:AlternateContent xmlns:mc="http://schemas.openxmlformats.org/markup-compatibility/2006">
-        <mc:Choice xmlns:a14="http://schemas.microsoft.com/office/drawing/2010/main" Requires="a14">
+      <mc:AlternateContent xmlns:mc="http://schemas.openxmlformats.org/markup-compatibility/2006" xmlns:a14="http://schemas.microsoft.com/office/drawing/2010/main">
+        <mc:Choice Requires="a14">
           <p:sp>
             <p:nvSpPr>
               <p:cNvPr id="13" name="TextBox 12"/>
@@ -4954,7 +4963,7 @@
             </p:txBody>
           </p:sp>
         </mc:Choice>
-        <mc:Fallback>
+        <mc:Fallback xmlns="">
           <p:sp>
             <p:nvSpPr>
               <p:cNvPr id="13" name="TextBox 12"/>
@@ -4993,8 +5002,8 @@
           </p:sp>
         </mc:Fallback>
       </mc:AlternateContent>
-      <mc:AlternateContent xmlns:mc="http://schemas.openxmlformats.org/markup-compatibility/2006">
-        <mc:Choice xmlns:a14="http://schemas.microsoft.com/office/drawing/2010/main" Requires="a14">
+      <mc:AlternateContent xmlns:mc="http://schemas.openxmlformats.org/markup-compatibility/2006" xmlns:a14="http://schemas.microsoft.com/office/drawing/2010/main">
+        <mc:Choice Requires="a14">
           <p:sp>
             <p:nvSpPr>
               <p:cNvPr id="14" name="TextBox 13"/>
@@ -5141,7 +5150,7 @@
             </p:txBody>
           </p:sp>
         </mc:Choice>
-        <mc:Fallback>
+        <mc:Fallback xmlns="">
           <p:sp>
             <p:nvSpPr>
               <p:cNvPr id="14" name="TextBox 13"/>
@@ -5243,7 +5252,7 @@
               <a:t>(</a:t>
             </a:r>
             <a:r>
-              <a:rPr lang="uk-UA" sz="4800" b="1" smtClean="0">
+              <a:rPr lang="uk-UA" sz="4800" b="1">
                 <a:solidFill>
                   <a:srgbClr val="002060"/>
                 </a:solidFill>
@@ -5261,16 +5270,16 @@
               <a:t>) </a:t>
             </a:r>
             <a:r>
-              <a:rPr lang="uk-UA" sz="4800" b="1" smtClean="0">
+              <a:rPr lang="uk-UA" sz="4800" b="1">
                 <a:solidFill>
                   <a:srgbClr val="002060"/>
                 </a:solidFill>
                 <a:cs typeface="Arial" panose="020B0604020202020204" pitchFamily="34" charset="0"/>
               </a:rPr>
-              <a:t>Чи однакові складності</a:t>
+              <a:t>Чи є складності одного порядку</a:t>
             </a:r>
             <a:r>
-              <a:rPr lang="ru-RU" sz="4800" b="1" smtClean="0">
+              <a:rPr lang="ru-RU" sz="4800" b="1">
                 <a:solidFill>
                   <a:srgbClr val="002060"/>
                 </a:solidFill>
@@ -5448,8 +5457,8 @@
           </a:p>
         </p:txBody>
       </p:sp>
-      <mc:AlternateContent xmlns:mc="http://schemas.openxmlformats.org/markup-compatibility/2006">
-        <mc:Choice xmlns:a14="http://schemas.microsoft.com/office/drawing/2010/main" Requires="a14">
+      <mc:AlternateContent xmlns:mc="http://schemas.openxmlformats.org/markup-compatibility/2006" xmlns:a14="http://schemas.microsoft.com/office/drawing/2010/main">
+        <mc:Choice Requires="a14">
           <p:sp>
             <p:nvSpPr>
               <p:cNvPr id="13" name="TextBox 12"/>
@@ -5536,7 +5545,7 @@
             </p:txBody>
           </p:sp>
         </mc:Choice>
-        <mc:Fallback>
+        <mc:Fallback xmlns="">
           <p:sp>
             <p:nvSpPr>
               <p:cNvPr id="13" name="TextBox 12"/>
@@ -5575,8 +5584,8 @@
           </p:sp>
         </mc:Fallback>
       </mc:AlternateContent>
-      <mc:AlternateContent xmlns:mc="http://schemas.openxmlformats.org/markup-compatibility/2006">
-        <mc:Choice xmlns:a14="http://schemas.microsoft.com/office/drawing/2010/main" Requires="a14">
+      <mc:AlternateContent xmlns:mc="http://schemas.openxmlformats.org/markup-compatibility/2006" xmlns:a14="http://schemas.microsoft.com/office/drawing/2010/main">
+        <mc:Choice Requires="a14">
           <p:sp>
             <p:nvSpPr>
               <p:cNvPr id="14" name="TextBox 13"/>
@@ -5723,7 +5732,7 @@
             </p:txBody>
           </p:sp>
         </mc:Choice>
-        <mc:Fallback>
+        <mc:Fallback xmlns="">
           <p:sp>
             <p:nvSpPr>
               <p:cNvPr id="14" name="TextBox 13"/>
@@ -5794,65 +5803,6 @@
       </p:grpSpPr>
       <p:sp>
         <p:nvSpPr>
-          <p:cNvPr id="2" name="TextBox 1"/>
-          <p:cNvSpPr txBox="1"/>
-          <p:nvPr/>
-        </p:nvSpPr>
-        <p:spPr>
-          <a:xfrm>
-            <a:off x="223125" y="395928"/>
-            <a:ext cx="11500701" cy="830997"/>
-          </a:xfrm>
-          <a:prstGeom prst="rect">
-            <a:avLst/>
-          </a:prstGeom>
-          <a:noFill/>
-        </p:spPr>
-        <p:txBody>
-          <a:bodyPr wrap="square" rtlCol="0">
-            <a:spAutoFit/>
-          </a:bodyPr>
-          <a:lstStyle/>
-          <a:p>
-            <a:pPr algn="ctr"/>
-            <a:r>
-              <a:rPr lang="en-US" sz="4800" b="1" smtClean="0">
-                <a:solidFill>
-                  <a:srgbClr val="002060"/>
-                </a:solidFill>
-                <a:cs typeface="Arial" panose="020B0604020202020204" pitchFamily="34" charset="0"/>
-              </a:rPr>
-              <a:t>(7) </a:t>
-            </a:r>
-            <a:r>
-              <a:rPr lang="uk-UA" sz="4800" b="1" smtClean="0">
-                <a:solidFill>
-                  <a:srgbClr val="002060"/>
-                </a:solidFill>
-                <a:cs typeface="Arial" panose="020B0604020202020204" pitchFamily="34" charset="0"/>
-              </a:rPr>
-              <a:t>Чи однакові складності</a:t>
-            </a:r>
-            <a:r>
-              <a:rPr lang="ru-RU" sz="4800" b="1" smtClean="0">
-                <a:solidFill>
-                  <a:srgbClr val="002060"/>
-                </a:solidFill>
-                <a:cs typeface="Arial" panose="020B0604020202020204" pitchFamily="34" charset="0"/>
-              </a:rPr>
-              <a:t>?</a:t>
-            </a:r>
-            <a:endParaRPr lang="uk-UA" sz="4800" b="1">
-              <a:solidFill>
-                <a:srgbClr val="002060"/>
-              </a:solidFill>
-              <a:cs typeface="Arial" panose="020B0604020202020204" pitchFamily="34" charset="0"/>
-            </a:endParaRPr>
-          </a:p>
-        </p:txBody>
-      </p:sp>
-      <p:sp>
-        <p:nvSpPr>
           <p:cNvPr id="9" name="Прямоугольник 8"/>
           <p:cNvSpPr/>
           <p:nvPr/>
@@ -6015,8 +5965,8 @@
           </a:p>
         </p:txBody>
       </p:sp>
-      <mc:AlternateContent xmlns:mc="http://schemas.openxmlformats.org/markup-compatibility/2006">
-        <mc:Choice xmlns:a14="http://schemas.microsoft.com/office/drawing/2010/main" Requires="a14">
+      <mc:AlternateContent xmlns:mc="http://schemas.openxmlformats.org/markup-compatibility/2006" xmlns:a14="http://schemas.microsoft.com/office/drawing/2010/main">
+        <mc:Choice Requires="a14">
           <p:sp>
             <p:nvSpPr>
               <p:cNvPr id="13" name="TextBox 12"/>
@@ -6097,7 +6047,7 @@
             </p:txBody>
           </p:sp>
         </mc:Choice>
-        <mc:Fallback>
+        <mc:Fallback xmlns="">
           <p:sp>
             <p:nvSpPr>
               <p:cNvPr id="13" name="TextBox 12"/>
@@ -6136,8 +6086,8 @@
           </p:sp>
         </mc:Fallback>
       </mc:AlternateContent>
-      <mc:AlternateContent xmlns:mc="http://schemas.openxmlformats.org/markup-compatibility/2006">
-        <mc:Choice xmlns:a14="http://schemas.microsoft.com/office/drawing/2010/main" Requires="a14">
+      <mc:AlternateContent xmlns:mc="http://schemas.openxmlformats.org/markup-compatibility/2006" xmlns:a14="http://schemas.microsoft.com/office/drawing/2010/main">
+        <mc:Choice Requires="a14">
           <p:sp>
             <p:nvSpPr>
               <p:cNvPr id="14" name="TextBox 13"/>
@@ -6248,7 +6198,7 @@
             </p:txBody>
           </p:sp>
         </mc:Choice>
-        <mc:Fallback>
+        <mc:Fallback xmlns="">
           <p:sp>
             <p:nvSpPr>
               <p:cNvPr id="14" name="TextBox 13"/>
@@ -6287,6 +6237,92 @@
           </p:sp>
         </mc:Fallback>
       </mc:AlternateContent>
+      <p:sp>
+        <p:nvSpPr>
+          <p:cNvPr id="15" name="TextBox 14"/>
+          <p:cNvSpPr txBox="1"/>
+          <p:nvPr/>
+        </p:nvSpPr>
+        <p:spPr>
+          <a:xfrm>
+            <a:off x="223125" y="395928"/>
+            <a:ext cx="11500701" cy="830997"/>
+          </a:xfrm>
+          <a:prstGeom prst="rect">
+            <a:avLst/>
+          </a:prstGeom>
+          <a:noFill/>
+        </p:spPr>
+        <p:txBody>
+          <a:bodyPr wrap="square" rtlCol="0">
+            <a:spAutoFit/>
+          </a:bodyPr>
+          <a:lstStyle/>
+          <a:p>
+            <a:pPr algn="ctr"/>
+            <a:r>
+              <a:rPr lang="en-US" sz="4800" b="1" smtClean="0">
+                <a:solidFill>
+                  <a:srgbClr val="002060"/>
+                </a:solidFill>
+                <a:cs typeface="Arial" panose="020B0604020202020204" pitchFamily="34" charset="0"/>
+              </a:rPr>
+              <a:t>(</a:t>
+            </a:r>
+            <a:r>
+              <a:rPr lang="uk-UA" sz="4800" b="1">
+                <a:solidFill>
+                  <a:srgbClr val="002060"/>
+                </a:solidFill>
+                <a:cs typeface="Arial" panose="020B0604020202020204" pitchFamily="34" charset="0"/>
+              </a:rPr>
+              <a:t>7</a:t>
+            </a:r>
+            <a:r>
+              <a:rPr lang="en-US" sz="4800" b="1" smtClean="0">
+                <a:solidFill>
+                  <a:srgbClr val="002060"/>
+                </a:solidFill>
+                <a:cs typeface="Arial" panose="020B0604020202020204" pitchFamily="34" charset="0"/>
+              </a:rPr>
+              <a:t>) </a:t>
+            </a:r>
+            <a:r>
+              <a:rPr lang="uk-UA" sz="4800" b="1" smtClean="0">
+                <a:solidFill>
+                  <a:srgbClr val="002060"/>
+                </a:solidFill>
+                <a:cs typeface="Arial" panose="020B0604020202020204" pitchFamily="34" charset="0"/>
+              </a:rPr>
+              <a:t>Чи </a:t>
+            </a:r>
+            <a:r>
+              <a:rPr lang="uk-UA" sz="4800" b="1" smtClean="0">
+                <a:solidFill>
+                  <a:srgbClr val="002060"/>
+                </a:solidFill>
+                <a:cs typeface="Arial" panose="020B0604020202020204" pitchFamily="34" charset="0"/>
+              </a:rPr>
+              <a:t>є складності одного порядку</a:t>
+            </a:r>
+            <a:r>
+              <a:rPr lang="ru-RU" sz="4800" b="1" smtClean="0">
+                <a:solidFill>
+                  <a:srgbClr val="002060"/>
+                </a:solidFill>
+                <a:cs typeface="Arial" panose="020B0604020202020204" pitchFamily="34" charset="0"/>
+              </a:rPr>
+              <a:t>?</a:t>
+            </a:r>
+            <a:endParaRPr lang="uk-UA" sz="4800" b="1">
+              <a:solidFill>
+                <a:srgbClr val="002060"/>
+              </a:solidFill>
+              <a:cs typeface="Arial" panose="020B0604020202020204" pitchFamily="34" charset="0"/>
+            </a:endParaRPr>
+          </a:p>
+        </p:txBody>
+      </p:sp>
     </p:spTree>
     <p:extLst>
       <p:ext uri="{BB962C8B-B14F-4D97-AF65-F5344CB8AC3E}">
@@ -6317,65 +6353,6 @@
           <a:chExt cx="0" cy="0"/>
         </a:xfrm>
       </p:grpSpPr>
-      <p:sp>
-        <p:nvSpPr>
-          <p:cNvPr id="2" name="TextBox 1"/>
-          <p:cNvSpPr txBox="1"/>
-          <p:nvPr/>
-        </p:nvSpPr>
-        <p:spPr>
-          <a:xfrm>
-            <a:off x="223125" y="395928"/>
-            <a:ext cx="11500701" cy="830997"/>
-          </a:xfrm>
-          <a:prstGeom prst="rect">
-            <a:avLst/>
-          </a:prstGeom>
-          <a:noFill/>
-        </p:spPr>
-        <p:txBody>
-          <a:bodyPr wrap="square" rtlCol="0">
-            <a:spAutoFit/>
-          </a:bodyPr>
-          <a:lstStyle/>
-          <a:p>
-            <a:pPr algn="ctr"/>
-            <a:r>
-              <a:rPr lang="en-US" sz="4800" b="1" smtClean="0">
-                <a:solidFill>
-                  <a:srgbClr val="002060"/>
-                </a:solidFill>
-                <a:cs typeface="Arial" panose="020B0604020202020204" pitchFamily="34" charset="0"/>
-              </a:rPr>
-              <a:t>(7) </a:t>
-            </a:r>
-            <a:r>
-              <a:rPr lang="uk-UA" sz="4800" b="1" smtClean="0">
-                <a:solidFill>
-                  <a:srgbClr val="002060"/>
-                </a:solidFill>
-                <a:cs typeface="Arial" panose="020B0604020202020204" pitchFamily="34" charset="0"/>
-              </a:rPr>
-              <a:t>Чи однакові складності</a:t>
-            </a:r>
-            <a:r>
-              <a:rPr lang="ru-RU" sz="4800" b="1" smtClean="0">
-                <a:solidFill>
-                  <a:srgbClr val="002060"/>
-                </a:solidFill>
-                <a:cs typeface="Arial" panose="020B0604020202020204" pitchFamily="34" charset="0"/>
-              </a:rPr>
-              <a:t>?</a:t>
-            </a:r>
-            <a:endParaRPr lang="uk-UA" sz="4800" b="1">
-              <a:solidFill>
-                <a:srgbClr val="002060"/>
-              </a:solidFill>
-              <a:cs typeface="Arial" panose="020B0604020202020204" pitchFamily="34" charset="0"/>
-            </a:endParaRPr>
-          </a:p>
-        </p:txBody>
-      </p:sp>
       <p:sp>
         <p:nvSpPr>
           <p:cNvPr id="9" name="Прямоугольник 8"/>
@@ -6537,8 +6514,8 @@
           </a:p>
         </p:txBody>
       </p:sp>
-      <mc:AlternateContent xmlns:mc="http://schemas.openxmlformats.org/markup-compatibility/2006">
-        <mc:Choice xmlns:a14="http://schemas.microsoft.com/office/drawing/2010/main" Requires="a14">
+      <mc:AlternateContent xmlns:mc="http://schemas.openxmlformats.org/markup-compatibility/2006" xmlns:a14="http://schemas.microsoft.com/office/drawing/2010/main">
+        <mc:Choice Requires="a14">
           <p:sp>
             <p:nvSpPr>
               <p:cNvPr id="13" name="TextBox 12"/>
@@ -6619,7 +6596,7 @@
             </p:txBody>
           </p:sp>
         </mc:Choice>
-        <mc:Fallback>
+        <mc:Fallback xmlns="">
           <p:sp>
             <p:nvSpPr>
               <p:cNvPr id="13" name="TextBox 12"/>
@@ -6658,8 +6635,8 @@
           </p:sp>
         </mc:Fallback>
       </mc:AlternateContent>
-      <mc:AlternateContent xmlns:mc="http://schemas.openxmlformats.org/markup-compatibility/2006">
-        <mc:Choice xmlns:a14="http://schemas.microsoft.com/office/drawing/2010/main" Requires="a14">
+      <mc:AlternateContent xmlns:mc="http://schemas.openxmlformats.org/markup-compatibility/2006" xmlns:a14="http://schemas.microsoft.com/office/drawing/2010/main">
+        <mc:Choice Requires="a14">
           <p:sp>
             <p:nvSpPr>
               <p:cNvPr id="14" name="TextBox 13"/>
@@ -6770,7 +6747,7 @@
             </p:txBody>
           </p:sp>
         </mc:Choice>
-        <mc:Fallback>
+        <mc:Fallback xmlns="">
           <p:sp>
             <p:nvSpPr>
               <p:cNvPr id="14" name="TextBox 13"/>
@@ -6809,6 +6786,92 @@
           </p:sp>
         </mc:Fallback>
       </mc:AlternateContent>
+      <p:sp>
+        <p:nvSpPr>
+          <p:cNvPr id="15" name="TextBox 14"/>
+          <p:cNvSpPr txBox="1"/>
+          <p:nvPr/>
+        </p:nvSpPr>
+        <p:spPr>
+          <a:xfrm>
+            <a:off x="223125" y="395928"/>
+            <a:ext cx="11500701" cy="830997"/>
+          </a:xfrm>
+          <a:prstGeom prst="rect">
+            <a:avLst/>
+          </a:prstGeom>
+          <a:noFill/>
+        </p:spPr>
+        <p:txBody>
+          <a:bodyPr wrap="square" rtlCol="0">
+            <a:spAutoFit/>
+          </a:bodyPr>
+          <a:lstStyle/>
+          <a:p>
+            <a:pPr algn="ctr"/>
+            <a:r>
+              <a:rPr lang="en-US" sz="4800" b="1" smtClean="0">
+                <a:solidFill>
+                  <a:srgbClr val="002060"/>
+                </a:solidFill>
+                <a:cs typeface="Arial" panose="020B0604020202020204" pitchFamily="34" charset="0"/>
+              </a:rPr>
+              <a:t>(</a:t>
+            </a:r>
+            <a:r>
+              <a:rPr lang="uk-UA" sz="4800" b="1">
+                <a:solidFill>
+                  <a:srgbClr val="002060"/>
+                </a:solidFill>
+                <a:cs typeface="Arial" panose="020B0604020202020204" pitchFamily="34" charset="0"/>
+              </a:rPr>
+              <a:t>7</a:t>
+            </a:r>
+            <a:r>
+              <a:rPr lang="en-US" sz="4800" b="1" smtClean="0">
+                <a:solidFill>
+                  <a:srgbClr val="002060"/>
+                </a:solidFill>
+                <a:cs typeface="Arial" panose="020B0604020202020204" pitchFamily="34" charset="0"/>
+              </a:rPr>
+              <a:t>) </a:t>
+            </a:r>
+            <a:r>
+              <a:rPr lang="uk-UA" sz="4800" b="1" smtClean="0">
+                <a:solidFill>
+                  <a:srgbClr val="002060"/>
+                </a:solidFill>
+                <a:cs typeface="Arial" panose="020B0604020202020204" pitchFamily="34" charset="0"/>
+              </a:rPr>
+              <a:t>Чи </a:t>
+            </a:r>
+            <a:r>
+              <a:rPr lang="uk-UA" sz="4800" b="1" smtClean="0">
+                <a:solidFill>
+                  <a:srgbClr val="002060"/>
+                </a:solidFill>
+                <a:cs typeface="Arial" panose="020B0604020202020204" pitchFamily="34" charset="0"/>
+              </a:rPr>
+              <a:t>є складності одного порядку</a:t>
+            </a:r>
+            <a:r>
+              <a:rPr lang="ru-RU" sz="4800" b="1" smtClean="0">
+                <a:solidFill>
+                  <a:srgbClr val="002060"/>
+                </a:solidFill>
+                <a:cs typeface="Arial" panose="020B0604020202020204" pitchFamily="34" charset="0"/>
+              </a:rPr>
+              <a:t>?</a:t>
+            </a:r>
+            <a:endParaRPr lang="uk-UA" sz="4800" b="1">
+              <a:solidFill>
+                <a:srgbClr val="002060"/>
+              </a:solidFill>
+              <a:cs typeface="Arial" panose="020B0604020202020204" pitchFamily="34" charset="0"/>
+            </a:endParaRPr>
+          </a:p>
+        </p:txBody>
+      </p:sp>
     </p:spTree>
     <p:extLst>
       <p:ext uri="{BB962C8B-B14F-4D97-AF65-F5344CB8AC3E}">
@@ -6949,8 +7012,8 @@
           </a:p>
         </p:txBody>
       </p:sp>
-      <mc:AlternateContent xmlns:mc="http://schemas.openxmlformats.org/markup-compatibility/2006">
-        <mc:Choice xmlns:a14="http://schemas.microsoft.com/office/drawing/2010/main" Requires="a14">
+      <mc:AlternateContent xmlns:mc="http://schemas.openxmlformats.org/markup-compatibility/2006" xmlns:a14="http://schemas.microsoft.com/office/drawing/2010/main">
+        <mc:Choice Requires="a14">
           <p:sp>
             <p:nvSpPr>
               <p:cNvPr id="16" name="TextBox 15"/>
@@ -7091,7 +7154,7 @@
             </p:txBody>
           </p:sp>
         </mc:Choice>
-        <mc:Fallback>
+        <mc:Fallback xmlns="">
           <p:sp>
             <p:nvSpPr>
               <p:cNvPr id="16" name="TextBox 15"/>
@@ -7181,8 +7244,8 @@
           </a:p>
         </p:txBody>
       </p:sp>
-      <mc:AlternateContent xmlns:mc="http://schemas.openxmlformats.org/markup-compatibility/2006">
-        <mc:Choice xmlns:a14="http://schemas.microsoft.com/office/drawing/2010/main" Requires="a14">
+      <mc:AlternateContent xmlns:mc="http://schemas.openxmlformats.org/markup-compatibility/2006" xmlns:a14="http://schemas.microsoft.com/office/drawing/2010/main">
+        <mc:Choice Requires="a14">
           <p:sp>
             <p:nvSpPr>
               <p:cNvPr id="20" name="TextBox 19"/>
@@ -7328,7 +7391,7 @@
             </p:txBody>
           </p:sp>
         </mc:Choice>
-        <mc:Fallback>
+        <mc:Fallback xmlns="">
           <p:sp>
             <p:nvSpPr>
               <p:cNvPr id="20" name="TextBox 19"/>
@@ -7418,8 +7481,8 @@
           </a:p>
         </p:txBody>
       </p:sp>
-      <mc:AlternateContent xmlns:mc="http://schemas.openxmlformats.org/markup-compatibility/2006">
-        <mc:Choice xmlns:a14="http://schemas.microsoft.com/office/drawing/2010/main" Requires="a14">
+      <mc:AlternateContent xmlns:mc="http://schemas.openxmlformats.org/markup-compatibility/2006" xmlns:a14="http://schemas.microsoft.com/office/drawing/2010/main">
+        <mc:Choice Requires="a14">
           <p:sp>
             <p:nvSpPr>
               <p:cNvPr id="22" name="TextBox 21"/>
@@ -7560,7 +7623,7 @@
             </p:txBody>
           </p:sp>
         </mc:Choice>
-        <mc:Fallback>
+        <mc:Fallback xmlns="">
           <p:sp>
             <p:nvSpPr>
               <p:cNvPr id="22" name="TextBox 21"/>
@@ -7736,8 +7799,8 @@
           </a:p>
         </p:txBody>
       </p:sp>
-      <mc:AlternateContent xmlns:mc="http://schemas.openxmlformats.org/markup-compatibility/2006">
-        <mc:Choice xmlns:a14="http://schemas.microsoft.com/office/drawing/2010/main" Requires="a14">
+      <mc:AlternateContent xmlns:mc="http://schemas.openxmlformats.org/markup-compatibility/2006" xmlns:a14="http://schemas.microsoft.com/office/drawing/2010/main">
+        <mc:Choice Requires="a14">
           <p:sp>
             <p:nvSpPr>
               <p:cNvPr id="16" name="TextBox 15"/>
@@ -7878,7 +7941,7 @@
             </p:txBody>
           </p:sp>
         </mc:Choice>
-        <mc:Fallback>
+        <mc:Fallback xmlns="">
           <p:sp>
             <p:nvSpPr>
               <p:cNvPr id="16" name="TextBox 15"/>
@@ -7965,8 +8028,8 @@
           </a:p>
         </p:txBody>
       </p:sp>
-      <mc:AlternateContent xmlns:mc="http://schemas.openxmlformats.org/markup-compatibility/2006">
-        <mc:Choice xmlns:a14="http://schemas.microsoft.com/office/drawing/2010/main" Requires="a14">
+      <mc:AlternateContent xmlns:mc="http://schemas.openxmlformats.org/markup-compatibility/2006" xmlns:a14="http://schemas.microsoft.com/office/drawing/2010/main">
+        <mc:Choice Requires="a14">
           <p:sp>
             <p:nvSpPr>
               <p:cNvPr id="20" name="TextBox 19"/>
@@ -8112,7 +8175,7 @@
             </p:txBody>
           </p:sp>
         </mc:Choice>
-        <mc:Fallback>
+        <mc:Fallback xmlns="">
           <p:sp>
             <p:nvSpPr>
               <p:cNvPr id="20" name="TextBox 19"/>
@@ -8202,8 +8265,8 @@
           </a:p>
         </p:txBody>
       </p:sp>
-      <mc:AlternateContent xmlns:mc="http://schemas.openxmlformats.org/markup-compatibility/2006">
-        <mc:Choice xmlns:a14="http://schemas.microsoft.com/office/drawing/2010/main" Requires="a14">
+      <mc:AlternateContent xmlns:mc="http://schemas.openxmlformats.org/markup-compatibility/2006" xmlns:a14="http://schemas.microsoft.com/office/drawing/2010/main">
+        <mc:Choice Requires="a14">
           <p:sp>
             <p:nvSpPr>
               <p:cNvPr id="22" name="TextBox 21"/>
@@ -8344,7 +8407,7 @@
             </p:txBody>
           </p:sp>
         </mc:Choice>
-        <mc:Fallback>
+        <mc:Fallback xmlns="">
           <p:sp>
             <p:nvSpPr>
               <p:cNvPr id="22" name="TextBox 21"/>
@@ -9341,8 +9404,8 @@
           </a:p>
         </p:txBody>
       </p:sp>
-      <mc:AlternateContent xmlns:mc="http://schemas.openxmlformats.org/markup-compatibility/2006">
-        <mc:Choice xmlns:a14="http://schemas.microsoft.com/office/drawing/2010/main" Requires="a14">
+      <mc:AlternateContent xmlns:mc="http://schemas.openxmlformats.org/markup-compatibility/2006" xmlns:a14="http://schemas.microsoft.com/office/drawing/2010/main">
+        <mc:Choice Requires="a14">
           <p:sp>
             <p:nvSpPr>
               <p:cNvPr id="6" name="TextBox 5"/>
@@ -9404,7 +9467,7 @@
             </p:txBody>
           </p:sp>
         </mc:Choice>
-        <mc:Fallback>
+        <mc:Fallback xmlns="">
           <p:sp>
             <p:nvSpPr>
               <p:cNvPr id="6" name="TextBox 5"/>
@@ -9491,8 +9554,8 @@
           </a:p>
         </p:txBody>
       </p:sp>
-      <mc:AlternateContent xmlns:mc="http://schemas.openxmlformats.org/markup-compatibility/2006">
-        <mc:Choice xmlns:a14="http://schemas.microsoft.com/office/drawing/2010/main" Requires="a14">
+      <mc:AlternateContent xmlns:mc="http://schemas.openxmlformats.org/markup-compatibility/2006" xmlns:a14="http://schemas.microsoft.com/office/drawing/2010/main">
+        <mc:Choice Requires="a14">
           <p:sp>
             <p:nvSpPr>
               <p:cNvPr id="8" name="TextBox 7"/>
@@ -9567,7 +9630,7 @@
             </p:txBody>
           </p:sp>
         </mc:Choice>
-        <mc:Fallback>
+        <mc:Fallback xmlns="">
           <p:sp>
             <p:nvSpPr>
               <p:cNvPr id="8" name="TextBox 7"/>
@@ -9657,8 +9720,8 @@
           </a:p>
         </p:txBody>
       </p:sp>
-      <mc:AlternateContent xmlns:mc="http://schemas.openxmlformats.org/markup-compatibility/2006">
-        <mc:Choice xmlns:a14="http://schemas.microsoft.com/office/drawing/2010/main" Requires="a14">
+      <mc:AlternateContent xmlns:mc="http://schemas.openxmlformats.org/markup-compatibility/2006" xmlns:a14="http://schemas.microsoft.com/office/drawing/2010/main">
+        <mc:Choice Requires="a14">
           <p:sp>
             <p:nvSpPr>
               <p:cNvPr id="10" name="TextBox 9"/>
@@ -9720,7 +9783,7 @@
             </p:txBody>
           </p:sp>
         </mc:Choice>
-        <mc:Fallback>
+        <mc:Fallback xmlns="">
           <p:sp>
             <p:nvSpPr>
               <p:cNvPr id="10" name="TextBox 9"/>
@@ -9807,8 +9870,8 @@
           </a:p>
         </p:txBody>
       </p:sp>
-      <mc:AlternateContent xmlns:mc="http://schemas.openxmlformats.org/markup-compatibility/2006">
-        <mc:Choice xmlns:a14="http://schemas.microsoft.com/office/drawing/2010/main" Requires="a14">
+      <mc:AlternateContent xmlns:mc="http://schemas.openxmlformats.org/markup-compatibility/2006" xmlns:a14="http://schemas.microsoft.com/office/drawing/2010/main">
+        <mc:Choice Requires="a14">
           <p:sp>
             <p:nvSpPr>
               <p:cNvPr id="12" name="TextBox 11"/>
@@ -9917,7 +9980,7 @@
             </p:txBody>
           </p:sp>
         </mc:Choice>
-        <mc:Fallback>
+        <mc:Fallback xmlns="">
           <p:sp>
             <p:nvSpPr>
               <p:cNvPr id="12" name="TextBox 11"/>
@@ -10240,8 +10303,8 @@
           </a:p>
         </p:txBody>
       </p:sp>
-      <mc:AlternateContent xmlns:mc="http://schemas.openxmlformats.org/markup-compatibility/2006">
-        <mc:Choice xmlns:a14="http://schemas.microsoft.com/office/drawing/2010/main" Requires="a14">
+      <mc:AlternateContent xmlns:mc="http://schemas.openxmlformats.org/markup-compatibility/2006" xmlns:a14="http://schemas.microsoft.com/office/drawing/2010/main">
+        <mc:Choice Requires="a14">
           <p:sp>
             <p:nvSpPr>
               <p:cNvPr id="8" name="TextBox 7"/>
@@ -10325,7 +10388,7 @@
             </p:txBody>
           </p:sp>
         </mc:Choice>
-        <mc:Fallback>
+        <mc:Fallback xmlns="">
           <p:sp>
             <p:nvSpPr>
               <p:cNvPr id="8" name="TextBox 7"/>
@@ -10568,8 +10631,8 @@
           </a:p>
         </p:txBody>
       </p:sp>
-      <mc:AlternateContent xmlns:mc="http://schemas.openxmlformats.org/markup-compatibility/2006">
-        <mc:Choice xmlns:a14="http://schemas.microsoft.com/office/drawing/2010/main" Requires="a14">
+      <mc:AlternateContent xmlns:mc="http://schemas.openxmlformats.org/markup-compatibility/2006" xmlns:a14="http://schemas.microsoft.com/office/drawing/2010/main">
+        <mc:Choice Requires="a14">
           <p:sp>
             <p:nvSpPr>
               <p:cNvPr id="12" name="TextBox 11"/>
@@ -10650,7 +10713,7 @@
             </p:txBody>
           </p:sp>
         </mc:Choice>
-        <mc:Fallback>
+        <mc:Fallback xmlns="">
           <p:sp>
             <p:nvSpPr>
               <p:cNvPr id="12" name="TextBox 11"/>
@@ -10841,8 +10904,8 @@
           </a:p>
         </p:txBody>
       </p:sp>
-      <mc:AlternateContent xmlns:mc="http://schemas.openxmlformats.org/markup-compatibility/2006">
-        <mc:Choice xmlns:a14="http://schemas.microsoft.com/office/drawing/2010/main" Requires="a14">
+      <mc:AlternateContent xmlns:mc="http://schemas.openxmlformats.org/markup-compatibility/2006" xmlns:a14="http://schemas.microsoft.com/office/drawing/2010/main">
+        <mc:Choice Requires="a14">
           <p:sp>
             <p:nvSpPr>
               <p:cNvPr id="6" name="TextBox 5"/>
@@ -10904,7 +10967,7 @@
             </p:txBody>
           </p:sp>
         </mc:Choice>
-        <mc:Fallback>
+        <mc:Fallback xmlns="">
           <p:sp>
             <p:nvSpPr>
               <p:cNvPr id="6" name="TextBox 5"/>
@@ -10994,8 +11057,8 @@
           </a:p>
         </p:txBody>
       </p:sp>
-      <mc:AlternateContent xmlns:mc="http://schemas.openxmlformats.org/markup-compatibility/2006">
-        <mc:Choice xmlns:a14="http://schemas.microsoft.com/office/drawing/2010/main" Requires="a14">
+      <mc:AlternateContent xmlns:mc="http://schemas.openxmlformats.org/markup-compatibility/2006" xmlns:a14="http://schemas.microsoft.com/office/drawing/2010/main">
+        <mc:Choice Requires="a14">
           <p:sp>
             <p:nvSpPr>
               <p:cNvPr id="8" name="TextBox 7"/>
@@ -11079,7 +11142,7 @@
             </p:txBody>
           </p:sp>
         </mc:Choice>
-        <mc:Fallback>
+        <mc:Fallback xmlns="">
           <p:sp>
             <p:nvSpPr>
               <p:cNvPr id="8" name="TextBox 7"/>
@@ -11166,8 +11229,8 @@
           </a:p>
         </p:txBody>
       </p:sp>
-      <mc:AlternateContent xmlns:mc="http://schemas.openxmlformats.org/markup-compatibility/2006">
-        <mc:Choice xmlns:a14="http://schemas.microsoft.com/office/drawing/2010/main" Requires="a14">
+      <mc:AlternateContent xmlns:mc="http://schemas.openxmlformats.org/markup-compatibility/2006" xmlns:a14="http://schemas.microsoft.com/office/drawing/2010/main">
+        <mc:Choice Requires="a14">
           <p:sp>
             <p:nvSpPr>
               <p:cNvPr id="10" name="TextBox 9"/>
@@ -11229,7 +11292,7 @@
             </p:txBody>
           </p:sp>
         </mc:Choice>
-        <mc:Fallback>
+        <mc:Fallback xmlns="">
           <p:sp>
             <p:nvSpPr>
               <p:cNvPr id="10" name="TextBox 9"/>
@@ -11316,8 +11379,8 @@
           </a:p>
         </p:txBody>
       </p:sp>
-      <mc:AlternateContent xmlns:mc="http://schemas.openxmlformats.org/markup-compatibility/2006">
-        <mc:Choice xmlns:a14="http://schemas.microsoft.com/office/drawing/2010/main" Requires="a14">
+      <mc:AlternateContent xmlns:mc="http://schemas.openxmlformats.org/markup-compatibility/2006" xmlns:a14="http://schemas.microsoft.com/office/drawing/2010/main">
+        <mc:Choice Requires="a14">
           <p:sp>
             <p:nvSpPr>
               <p:cNvPr id="12" name="TextBox 11"/>
@@ -11398,7 +11461,7 @@
             </p:txBody>
           </p:sp>
         </mc:Choice>
-        <mc:Fallback>
+        <mc:Fallback xmlns="">
           <p:sp>
             <p:nvSpPr>
               <p:cNvPr id="12" name="TextBox 11"/>
@@ -11592,8 +11655,8 @@
           </a:p>
         </p:txBody>
       </p:sp>
-      <mc:AlternateContent xmlns:mc="http://schemas.openxmlformats.org/markup-compatibility/2006">
-        <mc:Choice xmlns:a14="http://schemas.microsoft.com/office/drawing/2010/main" Requires="a14">
+      <mc:AlternateContent xmlns:mc="http://schemas.openxmlformats.org/markup-compatibility/2006" xmlns:a14="http://schemas.microsoft.com/office/drawing/2010/main">
+        <mc:Choice Requires="a14">
           <p:sp>
             <p:nvSpPr>
               <p:cNvPr id="6" name="TextBox 5"/>
@@ -11655,7 +11718,7 @@
             </p:txBody>
           </p:sp>
         </mc:Choice>
-        <mc:Fallback>
+        <mc:Fallback xmlns="">
           <p:sp>
             <p:nvSpPr>
               <p:cNvPr id="6" name="TextBox 5"/>
@@ -11745,8 +11808,8 @@
           </a:p>
         </p:txBody>
       </p:sp>
-      <mc:AlternateContent xmlns:mc="http://schemas.openxmlformats.org/markup-compatibility/2006">
-        <mc:Choice xmlns:a14="http://schemas.microsoft.com/office/drawing/2010/main" Requires="a14">
+      <mc:AlternateContent xmlns:mc="http://schemas.openxmlformats.org/markup-compatibility/2006" xmlns:a14="http://schemas.microsoft.com/office/drawing/2010/main">
+        <mc:Choice Requires="a14">
           <p:sp>
             <p:nvSpPr>
               <p:cNvPr id="8" name="TextBox 7"/>
@@ -11842,7 +11905,7 @@
             </p:txBody>
           </p:sp>
         </mc:Choice>
-        <mc:Fallback>
+        <mc:Fallback xmlns="">
           <p:sp>
             <p:nvSpPr>
               <p:cNvPr id="8" name="TextBox 7"/>
@@ -11932,8 +11995,8 @@
           </a:p>
         </p:txBody>
       </p:sp>
-      <mc:AlternateContent xmlns:mc="http://schemas.openxmlformats.org/markup-compatibility/2006">
-        <mc:Choice xmlns:a14="http://schemas.microsoft.com/office/drawing/2010/main" Requires="a14">
+      <mc:AlternateContent xmlns:mc="http://schemas.openxmlformats.org/markup-compatibility/2006" xmlns:a14="http://schemas.microsoft.com/office/drawing/2010/main">
+        <mc:Choice Requires="a14">
           <p:sp>
             <p:nvSpPr>
               <p:cNvPr id="10" name="TextBox 9"/>
@@ -11995,7 +12058,7 @@
             </p:txBody>
           </p:sp>
         </mc:Choice>
-        <mc:Fallback>
+        <mc:Fallback xmlns="">
           <p:sp>
             <p:nvSpPr>
               <p:cNvPr id="10" name="TextBox 9"/>
@@ -12085,8 +12148,8 @@
           </a:p>
         </p:txBody>
       </p:sp>
-      <mc:AlternateContent xmlns:mc="http://schemas.openxmlformats.org/markup-compatibility/2006">
-        <mc:Choice xmlns:a14="http://schemas.microsoft.com/office/drawing/2010/main" Requires="a14">
+      <mc:AlternateContent xmlns:mc="http://schemas.openxmlformats.org/markup-compatibility/2006" xmlns:a14="http://schemas.microsoft.com/office/drawing/2010/main">
+        <mc:Choice Requires="a14">
           <p:sp>
             <p:nvSpPr>
               <p:cNvPr id="12" name="TextBox 11"/>
@@ -12167,7 +12230,7 @@
             </p:txBody>
           </p:sp>
         </mc:Choice>
-        <mc:Fallback>
+        <mc:Fallback xmlns="">
           <p:sp>
             <p:nvSpPr>
               <p:cNvPr id="12" name="TextBox 11"/>
@@ -12358,8 +12421,8 @@
           </a:p>
         </p:txBody>
       </p:sp>
-      <mc:AlternateContent xmlns:mc="http://schemas.openxmlformats.org/markup-compatibility/2006">
-        <mc:Choice xmlns:a14="http://schemas.microsoft.com/office/drawing/2010/main" Requires="a14">
+      <mc:AlternateContent xmlns:mc="http://schemas.openxmlformats.org/markup-compatibility/2006" xmlns:a14="http://schemas.microsoft.com/office/drawing/2010/main">
+        <mc:Choice Requires="a14">
           <p:sp>
             <p:nvSpPr>
               <p:cNvPr id="6" name="TextBox 5"/>
@@ -12421,7 +12484,7 @@
             </p:txBody>
           </p:sp>
         </mc:Choice>
-        <mc:Fallback>
+        <mc:Fallback xmlns="">
           <p:sp>
             <p:nvSpPr>
               <p:cNvPr id="6" name="TextBox 5"/>
@@ -12511,8 +12574,8 @@
           </a:p>
         </p:txBody>
       </p:sp>
-      <mc:AlternateContent xmlns:mc="http://schemas.openxmlformats.org/markup-compatibility/2006">
-        <mc:Choice xmlns:a14="http://schemas.microsoft.com/office/drawing/2010/main" Requires="a14">
+      <mc:AlternateContent xmlns:mc="http://schemas.openxmlformats.org/markup-compatibility/2006" xmlns:a14="http://schemas.microsoft.com/office/drawing/2010/main">
+        <mc:Choice Requires="a14">
           <p:sp>
             <p:nvSpPr>
               <p:cNvPr id="8" name="TextBox 7"/>
@@ -12608,7 +12671,7 @@
             </p:txBody>
           </p:sp>
         </mc:Choice>
-        <mc:Fallback>
+        <mc:Fallback xmlns="">
           <p:sp>
             <p:nvSpPr>
               <p:cNvPr id="8" name="TextBox 7"/>
@@ -12695,8 +12758,8 @@
           </a:p>
         </p:txBody>
       </p:sp>
-      <mc:AlternateContent xmlns:mc="http://schemas.openxmlformats.org/markup-compatibility/2006">
-        <mc:Choice xmlns:a14="http://schemas.microsoft.com/office/drawing/2010/main" Requires="a14">
+      <mc:AlternateContent xmlns:mc="http://schemas.openxmlformats.org/markup-compatibility/2006" xmlns:a14="http://schemas.microsoft.com/office/drawing/2010/main">
+        <mc:Choice Requires="a14">
           <p:sp>
             <p:nvSpPr>
               <p:cNvPr id="10" name="TextBox 9"/>
@@ -12758,7 +12821,7 @@
             </p:txBody>
           </p:sp>
         </mc:Choice>
-        <mc:Fallback>
+        <mc:Fallback xmlns="">
           <p:sp>
             <p:nvSpPr>
               <p:cNvPr id="10" name="TextBox 9"/>
@@ -12845,8 +12908,8 @@
           </a:p>
         </p:txBody>
       </p:sp>
-      <mc:AlternateContent xmlns:mc="http://schemas.openxmlformats.org/markup-compatibility/2006">
-        <mc:Choice xmlns:a14="http://schemas.microsoft.com/office/drawing/2010/main" Requires="a14">
+      <mc:AlternateContent xmlns:mc="http://schemas.openxmlformats.org/markup-compatibility/2006" xmlns:a14="http://schemas.microsoft.com/office/drawing/2010/main">
+        <mc:Choice Requires="a14">
           <p:sp>
             <p:nvSpPr>
               <p:cNvPr id="12" name="TextBox 11"/>
@@ -12927,7 +12990,7 @@
             </p:txBody>
           </p:sp>
         </mc:Choice>
-        <mc:Fallback>
+        <mc:Fallback xmlns="">
           <p:sp>
             <p:nvSpPr>
               <p:cNvPr id="12" name="TextBox 11"/>
@@ -13172,8 +13235,8 @@
           </a:p>
         </p:txBody>
       </p:sp>
-      <mc:AlternateContent xmlns:mc="http://schemas.openxmlformats.org/markup-compatibility/2006">
-        <mc:Choice xmlns:a14="http://schemas.microsoft.com/office/drawing/2010/main" Requires="a14">
+      <mc:AlternateContent xmlns:mc="http://schemas.openxmlformats.org/markup-compatibility/2006" xmlns:a14="http://schemas.microsoft.com/office/drawing/2010/main">
+        <mc:Choice Requires="a14">
           <p:sp>
             <p:nvSpPr>
               <p:cNvPr id="8" name="TextBox 7"/>
@@ -13285,7 +13348,7 @@
             </p:txBody>
           </p:sp>
         </mc:Choice>
-        <mc:Fallback>
+        <mc:Fallback xmlns="">
           <p:sp>
             <p:nvSpPr>
               <p:cNvPr id="8" name="TextBox 7"/>
@@ -13375,8 +13438,8 @@
           </a:p>
         </p:txBody>
       </p:sp>
-      <mc:AlternateContent xmlns:mc="http://schemas.openxmlformats.org/markup-compatibility/2006">
-        <mc:Choice xmlns:a14="http://schemas.microsoft.com/office/drawing/2010/main" Requires="a14">
+      <mc:AlternateContent xmlns:mc="http://schemas.openxmlformats.org/markup-compatibility/2006" xmlns:a14="http://schemas.microsoft.com/office/drawing/2010/main">
+        <mc:Choice Requires="a14">
           <p:sp>
             <p:nvSpPr>
               <p:cNvPr id="10" name="TextBox 9"/>
@@ -13438,7 +13501,7 @@
             </p:txBody>
           </p:sp>
         </mc:Choice>
-        <mc:Fallback>
+        <mc:Fallback xmlns="">
           <p:sp>
             <p:nvSpPr>
               <p:cNvPr id="10" name="TextBox 9"/>
@@ -13528,8 +13591,8 @@
           </a:p>
         </p:txBody>
       </p:sp>
-      <mc:AlternateContent xmlns:mc="http://schemas.openxmlformats.org/markup-compatibility/2006">
-        <mc:Choice xmlns:a14="http://schemas.microsoft.com/office/drawing/2010/main" Requires="a14">
+      <mc:AlternateContent xmlns:mc="http://schemas.openxmlformats.org/markup-compatibility/2006" xmlns:a14="http://schemas.microsoft.com/office/drawing/2010/main">
+        <mc:Choice Requires="a14">
           <p:sp>
             <p:nvSpPr>
               <p:cNvPr id="12" name="TextBox 11"/>
@@ -13610,7 +13673,7 @@
             </p:txBody>
           </p:sp>
         </mc:Choice>
-        <mc:Fallback>
+        <mc:Fallback xmlns="">
           <p:sp>
             <p:nvSpPr>
               <p:cNvPr id="12" name="TextBox 11"/>
@@ -13673,8 +13736,8 @@
           </a:prstGeom>
         </p:spPr>
       </p:pic>
-      <mc:AlternateContent xmlns:mc="http://schemas.openxmlformats.org/markup-compatibility/2006">
-        <mc:Choice xmlns:a14="http://schemas.microsoft.com/office/drawing/2010/main" Requires="a14">
+      <mc:AlternateContent xmlns:mc="http://schemas.openxmlformats.org/markup-compatibility/2006" xmlns:a14="http://schemas.microsoft.com/office/drawing/2010/main">
+        <mc:Choice Requires="a14">
           <p:sp>
             <p:nvSpPr>
               <p:cNvPr id="14" name="TextBox 13"/>
@@ -13755,7 +13818,7 @@
             </p:txBody>
           </p:sp>
         </mc:Choice>
-        <mc:Fallback>
+        <mc:Fallback xmlns="">
           <p:sp>
             <p:nvSpPr>
               <p:cNvPr id="14" name="TextBox 13"/>
@@ -13973,8 +14036,8 @@
           </a:p>
         </p:txBody>
       </p:sp>
-      <mc:AlternateContent xmlns:mc="http://schemas.openxmlformats.org/markup-compatibility/2006">
-        <mc:Choice xmlns:a14="http://schemas.microsoft.com/office/drawing/2010/main" Requires="a14">
+      <mc:AlternateContent xmlns:mc="http://schemas.openxmlformats.org/markup-compatibility/2006" xmlns:a14="http://schemas.microsoft.com/office/drawing/2010/main">
+        <mc:Choice Requires="a14">
           <p:sp>
             <p:nvSpPr>
               <p:cNvPr id="8" name="TextBox 7"/>
@@ -14086,7 +14149,7 @@
             </p:txBody>
           </p:sp>
         </mc:Choice>
-        <mc:Fallback>
+        <mc:Fallback xmlns="">
           <p:sp>
             <p:nvSpPr>
               <p:cNvPr id="8" name="TextBox 7"/>
@@ -14173,8 +14236,8 @@
           </a:p>
         </p:txBody>
       </p:sp>
-      <mc:AlternateContent xmlns:mc="http://schemas.openxmlformats.org/markup-compatibility/2006">
-        <mc:Choice xmlns:a14="http://schemas.microsoft.com/office/drawing/2010/main" Requires="a14">
+      <mc:AlternateContent xmlns:mc="http://schemas.openxmlformats.org/markup-compatibility/2006" xmlns:a14="http://schemas.microsoft.com/office/drawing/2010/main">
+        <mc:Choice Requires="a14">
           <p:sp>
             <p:nvSpPr>
               <p:cNvPr id="10" name="TextBox 9"/>
@@ -14236,7 +14299,7 @@
             </p:txBody>
           </p:sp>
         </mc:Choice>
-        <mc:Fallback>
+        <mc:Fallback xmlns="">
           <p:sp>
             <p:nvSpPr>
               <p:cNvPr id="10" name="TextBox 9"/>
@@ -14323,8 +14386,8 @@
           </a:p>
         </p:txBody>
       </p:sp>
-      <mc:AlternateContent xmlns:mc="http://schemas.openxmlformats.org/markup-compatibility/2006">
-        <mc:Choice xmlns:a14="http://schemas.microsoft.com/office/drawing/2010/main" Requires="a14">
+      <mc:AlternateContent xmlns:mc="http://schemas.openxmlformats.org/markup-compatibility/2006" xmlns:a14="http://schemas.microsoft.com/office/drawing/2010/main">
+        <mc:Choice Requires="a14">
           <p:sp>
             <p:nvSpPr>
               <p:cNvPr id="12" name="TextBox 11"/>
@@ -14405,7 +14468,7 @@
             </p:txBody>
           </p:sp>
         </mc:Choice>
-        <mc:Fallback>
+        <mc:Fallback xmlns="">
           <p:sp>
             <p:nvSpPr>
               <p:cNvPr id="12" name="TextBox 11"/>
@@ -14468,8 +14531,8 @@
           </a:prstGeom>
         </p:spPr>
       </p:pic>
-      <mc:AlternateContent xmlns:mc="http://schemas.openxmlformats.org/markup-compatibility/2006">
-        <mc:Choice xmlns:a14="http://schemas.microsoft.com/office/drawing/2010/main" Requires="a14">
+      <mc:AlternateContent xmlns:mc="http://schemas.openxmlformats.org/markup-compatibility/2006" xmlns:a14="http://schemas.microsoft.com/office/drawing/2010/main">
+        <mc:Choice Requires="a14">
           <p:sp>
             <p:nvSpPr>
               <p:cNvPr id="14" name="TextBox 13"/>
@@ -14550,7 +14613,7 @@
             </p:txBody>
           </p:sp>
         </mc:Choice>
-        <mc:Fallback>
+        <mc:Fallback xmlns="">
           <p:sp>
             <p:nvSpPr>
               <p:cNvPr id="14" name="TextBox 13"/>
